--- a/iOT-Code/ESP32-NEO6m/Esp32-Circuit.pptx
+++ b/iOT-Code/ESP32-NEO6m/Esp32-Circuit.pptx
@@ -104,6 +104,11 @@
       </a:defRPr>
     </a:lvl9pPr>
   </p:defaultTextStyle>
+  <p:extLst>
+    <p:ext uri="{EFAFB233-063F-42B5-8137-9DF3F51BA10A}">
+      <p15:sldGuideLst xmlns:p15="http://schemas.microsoft.com/office/powerpoint/2012/main"/>
+    </p:ext>
+  </p:extLst>
 </p:presentation>
 </file>
 
@@ -3545,27 +3550,18 @@
           <a:lstStyle/>
           <a:p>
             <a:r>
-              <a:rPr lang="en-US" sz="1800" b="0" strike="noStrike" spc="-1">
+              <a:rPr lang="en-US" sz="1800" b="0" strike="noStrike" spc="-1" dirty="0">
                 <a:latin typeface="Inconsolata ExtraBold"/>
               </a:rPr>
               <a:t> - Ground (GND)</a:t>
             </a:r>
-            <a:endParaRPr lang="en-US" sz="1800" b="0" strike="noStrike" spc="-1">
-              <a:latin typeface="Arial"/>
-            </a:endParaRPr>
           </a:p>
           <a:p>
             <a:r>
-              <a:rPr lang="en-US" sz="1800" b="0" strike="noStrike" spc="-1">
+              <a:rPr lang="en-US" sz="1800" b="0" strike="noStrike" spc="-1" dirty="0">
                 <a:latin typeface="Inconsolata ExtraBold"/>
               </a:rPr>
-              <a:t> - Input (VCC</a:t>
-            </a:r>
-            <a:r>
-              <a:rPr lang="en-US" sz="1800" b="0" strike="noStrike" spc="-1">
-                <a:latin typeface="Arial"/>
-              </a:rPr>
-              <a:t>)</a:t>
+              <a:t> - Input (VCC)</a:t>
             </a:r>
           </a:p>
         </p:txBody>
@@ -3920,6 +3916,114 @@
           <a:fontRef idx="minor"/>
         </p:style>
       </p:sp>
+      <p:sp>
+        <p:nvSpPr>
+          <p:cNvPr id="4" name="TextBox 3"/>
+          <p:cNvSpPr txBox="1"/>
+          <p:nvPr/>
+        </p:nvSpPr>
+        <p:spPr>
+          <a:xfrm>
+            <a:off x="288401" y="4967101"/>
+            <a:ext cx="1414244" cy="461665"/>
+          </a:xfrm>
+          <a:prstGeom prst="rect">
+            <a:avLst/>
+          </a:prstGeom>
+          <a:noFill/>
+        </p:spPr>
+        <p:txBody>
+          <a:bodyPr wrap="square" rtlCol="0">
+            <a:spAutoFit/>
+          </a:bodyPr>
+          <a:lstStyle/>
+          <a:p>
+            <a:r>
+              <a:rPr lang="en-US" sz="2400" dirty="0" smtClean="0">
+                <a:latin typeface="Inconsolata ExtraBold"/>
+              </a:rPr>
+              <a:t>DC - DC</a:t>
+            </a:r>
+            <a:endParaRPr lang="en-US" sz="2400" dirty="0">
+              <a:latin typeface="Inconsolata ExtraBold"/>
+            </a:endParaRPr>
+          </a:p>
+        </p:txBody>
+      </p:sp>
+      <p:sp>
+        <p:nvSpPr>
+          <p:cNvPr id="20" name="TextBox 19"/>
+          <p:cNvSpPr txBox="1"/>
+          <p:nvPr/>
+        </p:nvSpPr>
+        <p:spPr>
+          <a:xfrm>
+            <a:off x="3171680" y="1954500"/>
+            <a:ext cx="2360007" cy="461665"/>
+          </a:xfrm>
+          <a:prstGeom prst="rect">
+            <a:avLst/>
+          </a:prstGeom>
+          <a:noFill/>
+        </p:spPr>
+        <p:txBody>
+          <a:bodyPr wrap="square" rtlCol="0">
+            <a:spAutoFit/>
+          </a:bodyPr>
+          <a:lstStyle/>
+          <a:p>
+            <a:r>
+              <a:rPr lang="en-US" sz="2400" dirty="0" smtClean="0">
+                <a:latin typeface="Inconsolata ExtraBold"/>
+              </a:rPr>
+              <a:t>ESP 32 </a:t>
+            </a:r>
+            <a:r>
+              <a:rPr lang="en-US" sz="2400" dirty="0" err="1" smtClean="0">
+                <a:latin typeface="Inconsolata ExtraBold"/>
+              </a:rPr>
+              <a:t>DevKit</a:t>
+            </a:r>
+            <a:endParaRPr lang="en-US" sz="2400" dirty="0">
+              <a:latin typeface="Inconsolata ExtraBold"/>
+            </a:endParaRPr>
+          </a:p>
+        </p:txBody>
+      </p:sp>
+      <p:sp>
+        <p:nvSpPr>
+          <p:cNvPr id="21" name="TextBox 20"/>
+          <p:cNvSpPr txBox="1"/>
+          <p:nvPr/>
+        </p:nvSpPr>
+        <p:spPr>
+          <a:xfrm>
+            <a:off x="8328078" y="1913425"/>
+            <a:ext cx="1877400" cy="410400"/>
+          </a:xfrm>
+          <a:prstGeom prst="rect">
+            <a:avLst/>
+          </a:prstGeom>
+          <a:noFill/>
+          <a:ln w="0">
+            <a:noFill/>
+          </a:ln>
+        </p:spPr>
+        <p:txBody>
+          <a:bodyPr lIns="90000" tIns="45000" rIns="90000" bIns="45000" anchor="t">
+            <a:noAutofit/>
+          </a:bodyPr>
+          <a:lstStyle/>
+          <a:p>
+            <a:r>
+              <a:rPr lang="en-US" sz="2400" b="0" strike="noStrike" spc="-1">
+                <a:latin typeface="Inconsolata ExtraBold"/>
+              </a:rPr>
+              <a:t>GPS NEO-6M</a:t>
+            </a:r>
+          </a:p>
+        </p:txBody>
+      </p:sp>
     </p:spTree>
   </p:cSld>
   <p:clrMapOvr>
@@ -3929,7 +4033,7 @@
     <mc:Choice Requires="p14">
       <p:transition spd="slow" p14:dur="2000"/>
     </mc:Choice>
-    <mc:Fallback xmlns:p15="http://schemas.microsoft.com/office/powerpoint/2012/main" xmlns="">
+    <mc:Fallback xmlns="" xmlns:p15="http://schemas.microsoft.com/office/powerpoint/2012/main">
       <p:transition spd="slow"/>
     </mc:Fallback>
   </mc:AlternateContent>
